--- a/ktmt_01.pptx
+++ b/ktmt_01.pptx
@@ -135,10 +135,25 @@
   <pc:docChgLst>
     <pc:chgData name="Nguyễn Phú" userId="5dd2eef432e8c932" providerId="LiveId" clId="{0B8DEF7A-7320-490F-B0A1-4AE9FD620E65}"/>
     <pc:docChg chg="undo custSel addSld modSld">
-      <pc:chgData name="Nguyễn Phú" userId="5dd2eef432e8c932" providerId="LiveId" clId="{0B8DEF7A-7320-490F-B0A1-4AE9FD620E65}" dt="2024-05-17T12:53:14.729" v="1653" actId="1076"/>
+      <pc:chgData name="Nguyễn Phú" userId="5dd2eef432e8c932" providerId="LiveId" clId="{0B8DEF7A-7320-490F-B0A1-4AE9FD620E65}" dt="2024-05-17T13:43:30.784" v="1657" actId="20577"/>
       <pc:docMkLst>
         <pc:docMk/>
       </pc:docMkLst>
+      <pc:sldChg chg="modSp mod">
+        <pc:chgData name="Nguyễn Phú" userId="5dd2eef432e8c932" providerId="LiveId" clId="{0B8DEF7A-7320-490F-B0A1-4AE9FD620E65}" dt="2024-05-17T13:43:30.784" v="1657" actId="20577"/>
+        <pc:sldMkLst>
+          <pc:docMk/>
+          <pc:sldMk cId="4234896648" sldId="256"/>
+        </pc:sldMkLst>
+        <pc:spChg chg="mod">
+          <ac:chgData name="Nguyễn Phú" userId="5dd2eef432e8c932" providerId="LiveId" clId="{0B8DEF7A-7320-490F-B0A1-4AE9FD620E65}" dt="2024-05-17T13:43:30.784" v="1657" actId="20577"/>
+          <ac:spMkLst>
+            <pc:docMk/>
+            <pc:sldMk cId="4234896648" sldId="256"/>
+            <ac:spMk id="2" creationId="{B3385374-B105-B461-1BF0-A390D6E40D49}"/>
+          </ac:spMkLst>
+        </pc:spChg>
+      </pc:sldChg>
       <pc:sldChg chg="modSp mod">
         <pc:chgData name="Nguyễn Phú" userId="5dd2eef432e8c932" providerId="LiveId" clId="{0B8DEF7A-7320-490F-B0A1-4AE9FD620E65}" dt="2024-05-17T11:54:13.070" v="24"/>
         <pc:sldMkLst>

--- a/ktmt_01.pptx
+++ b/ktmt_01.pptx
@@ -135,18 +135,18 @@
   <pc:docChgLst>
     <pc:chgData name="Nguyễn Phú" userId="5dd2eef432e8c932" providerId="LiveId" clId="{0B8DEF7A-7320-490F-B0A1-4AE9FD620E65}"/>
     <pc:docChg chg="undo custSel addSld modSld">
-      <pc:chgData name="Nguyễn Phú" userId="5dd2eef432e8c932" providerId="LiveId" clId="{0B8DEF7A-7320-490F-B0A1-4AE9FD620E65}" dt="2024-05-17T13:43:30.784" v="1657" actId="20577"/>
+      <pc:chgData name="Nguyễn Phú" userId="5dd2eef432e8c932" providerId="LiveId" clId="{0B8DEF7A-7320-490F-B0A1-4AE9FD620E65}" dt="2024-05-17T14:50:49.312" v="1658" actId="20577"/>
       <pc:docMkLst>
         <pc:docMk/>
       </pc:docMkLst>
       <pc:sldChg chg="modSp mod">
-        <pc:chgData name="Nguyễn Phú" userId="5dd2eef432e8c932" providerId="LiveId" clId="{0B8DEF7A-7320-490F-B0A1-4AE9FD620E65}" dt="2024-05-17T13:43:30.784" v="1657" actId="20577"/>
+        <pc:chgData name="Nguyễn Phú" userId="5dd2eef432e8c932" providerId="LiveId" clId="{0B8DEF7A-7320-490F-B0A1-4AE9FD620E65}" dt="2024-05-17T14:50:49.312" v="1658" actId="20577"/>
         <pc:sldMkLst>
           <pc:docMk/>
           <pc:sldMk cId="4234896648" sldId="256"/>
         </pc:sldMkLst>
         <pc:spChg chg="mod">
-          <ac:chgData name="Nguyễn Phú" userId="5dd2eef432e8c932" providerId="LiveId" clId="{0B8DEF7A-7320-490F-B0A1-4AE9FD620E65}" dt="2024-05-17T13:43:30.784" v="1657" actId="20577"/>
+          <ac:chgData name="Nguyễn Phú" userId="5dd2eef432e8c932" providerId="LiveId" clId="{0B8DEF7A-7320-490F-B0A1-4AE9FD620E65}" dt="2024-05-17T14:50:49.312" v="1658" actId="20577"/>
           <ac:spMkLst>
             <pc:docMk/>
             <pc:sldMk cId="4234896648" sldId="256"/>
@@ -3794,7 +3794,11 @@
           <a:p>
             <a:r>
               <a:rPr lang="en-US" dirty="0"/>
-              <a:t>KTMT_N01-Nhóm 7</a:t>
+              <a:t>KTMT_</a:t>
+            </a:r>
+            <a:r>
+              <a:rPr lang="en-US"/>
+              <a:t>N01-Nhóm 07</a:t>
             </a:r>
             <a:br>
               <a:rPr lang="en-US" dirty="0"/>
